--- a/프로젝트 목업.pptx
+++ b/프로젝트 목업.pptx
@@ -2,7 +2,7 @@
 <file path=ppt/presentation.xml><?xml version="1.0" encoding="utf-8"?>
 <p:presentation xmlns:r="http://schemas.openxmlformats.org/officeDocument/2006/relationships" xmlns:c="http://schemas.openxmlformats.org/drawingml/2006/chart" xmlns:a="http://schemas.openxmlformats.org/drawingml/2006/main" xmlns:dgm="http://schemas.openxmlformats.org/drawingml/2006/diagram" xmlns:dsp="http://schemas.microsoft.com/office/drawing/2008/diagram" xmlns:p="http://schemas.openxmlformats.org/presentationml/2006/main">
   <p:sldMasterIdLst>
-    <p:sldMasterId id="2147483725" r:id="rId1"/>
+    <p:sldMasterId id="2147483719" r:id="rId1"/>
   </p:sldMasterIdLst>
   <p:sldIdLst>
     <p:sldId id="256" r:id="rId2"/>
@@ -11,9 +11,10 @@
     <p:sldId id="259" r:id="rId5"/>
     <p:sldId id="260" r:id="rId6"/>
     <p:sldId id="261" r:id="rId7"/>
-    <p:sldId id="262" r:id="rId8"/>
-    <p:sldId id="263" r:id="rId9"/>
-    <p:sldId id="264" r:id="rId10"/>
+    <p:sldId id="265" r:id="rId8"/>
+    <p:sldId id="262" r:id="rId9"/>
+    <p:sldId id="263" r:id="rId10"/>
+    <p:sldId id="264" r:id="rId11"/>
   </p:sldIdLst>
   <p:sldSz cx="12192000" cy="6858000"/>
   <p:notesSz cx="6858000" cy="9144000"/>
@@ -3529,6 +3530,433 @@
 </p:sld>
 </file>
 
+<file path=ppt/slides/slide10.xml><?xml version="1.0" encoding="utf-8"?>
+<p:sld xmlns:r="http://schemas.openxmlformats.org/officeDocument/2006/relationships" xmlns:c="http://schemas.openxmlformats.org/drawingml/2006/chart" xmlns:a="http://schemas.openxmlformats.org/drawingml/2006/main" xmlns:dgm="http://schemas.openxmlformats.org/drawingml/2006/diagram" xmlns:dsp="http://schemas.microsoft.com/office/drawing/2008/diagram" xmlns:p="http://schemas.openxmlformats.org/presentationml/2006/main">
+  <p:cSld>
+    <p:spTree>
+      <p:nvGrpSpPr>
+        <p:cNvPr id="1" name=""/>
+        <p:cNvGrpSpPr/>
+        <p:nvPr/>
+      </p:nvGrpSpPr>
+      <p:grpSpPr>
+        <a:xfrm>
+          <a:off x="0" y="0"/>
+          <a:ext cx="0" cy="0"/>
+          <a:chOff x="0" y="0"/>
+          <a:chExt cx="0" cy="0"/>
+        </a:xfrm>
+      </p:grpSpPr>
+      <p:sp>
+        <p:nvSpPr>
+          <p:cNvPr id="17" name=""/>
+          <p:cNvSpPr/>
+          <p:nvPr/>
+        </p:nvSpPr>
+        <p:spPr>
+          <a:xfrm>
+            <a:off x="2391275" y="1210414"/>
+            <a:ext cx="6531553" cy="3404907"/>
+          </a:xfrm>
+          <a:prstGeom prst="rect">
+            <a:avLst/>
+          </a:prstGeom>
+        </p:spPr>
+        <p:style>
+          <a:lnRef idx="2">
+            <a:schemeClr val="accent1">
+              <a:shade val="20000"/>
+            </a:schemeClr>
+          </a:lnRef>
+          <a:fillRef idx="1">
+            <a:schemeClr val="accent1"/>
+          </a:fillRef>
+          <a:effectRef idx="0">
+            <a:schemeClr val="accent1"/>
+          </a:effectRef>
+          <a:fontRef idx="minor">
+            <a:schemeClr val="lt1"/>
+          </a:fontRef>
+        </p:style>
+        <p:txBody>
+          <a:bodyPr anchor="ctr"/>
+          <a:p>
+            <a:pPr algn="ctr">
+              <a:defRPr/>
+            </a:pPr>
+            <a:endParaRPr lang="ko-KR" altLang="en-US"/>
+          </a:p>
+        </p:txBody>
+      </p:sp>
+      <p:sp>
+        <p:nvSpPr>
+          <p:cNvPr id="4" name=""/>
+          <p:cNvSpPr txBox="1"/>
+          <p:nvPr/>
+        </p:nvSpPr>
+        <p:spPr>
+          <a:xfrm>
+            <a:off x="155407" y="0"/>
+            <a:ext cx="2235868" cy="264795"/>
+          </a:xfrm>
+          <a:prstGeom prst="rect">
+            <a:avLst/>
+          </a:prstGeom>
+        </p:spPr>
+        <p:txBody>
+          <a:bodyPr wrap="square">
+            <a:spAutoFit/>
+          </a:bodyPr>
+          <a:p>
+            <a:pPr>
+              <a:defRPr/>
+            </a:pPr>
+            <a:r>
+              <a:rPr lang="ko-KR" altLang="en-US" sz="1200"/>
+              <a:t>어드민 페이지</a:t>
+            </a:r>
+            <a:endParaRPr lang="ko-KR" altLang="en-US" sz="1200"/>
+          </a:p>
+        </p:txBody>
+      </p:sp>
+      <p:sp>
+        <p:nvSpPr>
+          <p:cNvPr id="5" name=""/>
+          <p:cNvSpPr/>
+          <p:nvPr/>
+        </p:nvSpPr>
+        <p:spPr>
+          <a:xfrm>
+            <a:off x="2050381" y="264795"/>
+            <a:ext cx="7208921" cy="5349942"/>
+          </a:xfrm>
+          <a:prstGeom prst="rect">
+            <a:avLst/>
+          </a:prstGeom>
+          <a:solidFill>
+            <a:schemeClr val="lt1"/>
+          </a:solidFill>
+        </p:spPr>
+        <p:style>
+          <a:lnRef idx="2">
+            <a:schemeClr val="accent1">
+              <a:shade val="20000"/>
+            </a:schemeClr>
+          </a:lnRef>
+          <a:fillRef idx="1">
+            <a:schemeClr val="accent1"/>
+          </a:fillRef>
+          <a:effectRef idx="0">
+            <a:schemeClr val="accent1"/>
+          </a:effectRef>
+          <a:fontRef idx="minor">
+            <a:schemeClr val="lt1"/>
+          </a:fontRef>
+        </p:style>
+        <p:txBody>
+          <a:bodyPr anchor="ctr"/>
+          <a:p>
+            <a:pPr algn="ctr">
+              <a:defRPr/>
+            </a:pPr>
+            <a:endParaRPr lang="ko-KR" altLang="en-US"/>
+          </a:p>
+        </p:txBody>
+      </p:sp>
+      <p:sp>
+        <p:nvSpPr>
+          <p:cNvPr id="10" name=""/>
+          <p:cNvSpPr txBox="1"/>
+          <p:nvPr/>
+        </p:nvSpPr>
+        <p:spPr>
+          <a:xfrm>
+            <a:off x="2391275" y="569990"/>
+            <a:ext cx="6248067" cy="366061"/>
+          </a:xfrm>
+          <a:prstGeom prst="rect">
+            <a:avLst/>
+          </a:prstGeom>
+        </p:spPr>
+        <p:txBody>
+          <a:bodyPr wrap="square">
+            <a:spAutoFit/>
+          </a:bodyPr>
+          <a:p>
+            <a:pPr algn="ctr">
+              <a:defRPr/>
+            </a:pPr>
+            <a:r>
+              <a:rPr lang="ko-KR" altLang="en-US"/>
+              <a:t>회원목록</a:t>
+            </a:r>
+            <a:endParaRPr lang="ko-KR" altLang="en-US"/>
+          </a:p>
+        </p:txBody>
+      </p:sp>
+      <p:sp>
+        <p:nvSpPr>
+          <p:cNvPr id="12" name=""/>
+          <p:cNvSpPr txBox="1"/>
+          <p:nvPr/>
+        </p:nvSpPr>
+        <p:spPr>
+          <a:xfrm>
+            <a:off x="7544802" y="3770897"/>
+            <a:ext cx="1714500" cy="363556"/>
+          </a:xfrm>
+          <a:prstGeom prst="rect">
+            <a:avLst/>
+          </a:prstGeom>
+        </p:spPr>
+        <p:txBody>
+          <a:bodyPr wrap="square">
+            <a:spAutoFit/>
+          </a:bodyPr>
+          <a:p>
+            <a:pPr>
+              <a:defRPr/>
+            </a:pPr>
+            <a:r>
+              <a:rPr lang="ko-KR" altLang="en-US"/>
+              <a:t>전송</a:t>
+            </a:r>
+            <a:endParaRPr lang="ko-KR" altLang="en-US"/>
+          </a:p>
+        </p:txBody>
+      </p:sp>
+      <p:sp>
+        <p:nvSpPr>
+          <p:cNvPr id="20" name=""/>
+          <p:cNvSpPr txBox="1"/>
+          <p:nvPr/>
+        </p:nvSpPr>
+        <p:spPr>
+          <a:xfrm>
+            <a:off x="7544802" y="4842387"/>
+            <a:ext cx="1239707" cy="365883"/>
+          </a:xfrm>
+          <a:prstGeom prst="rect">
+            <a:avLst/>
+          </a:prstGeom>
+        </p:spPr>
+        <p:txBody>
+          <a:bodyPr wrap="square">
+            <a:spAutoFit/>
+          </a:bodyPr>
+          <a:p>
+            <a:pPr>
+              <a:defRPr/>
+            </a:pPr>
+            <a:r>
+              <a:rPr lang="ko-KR" altLang="en-US"/>
+              <a:t>작성완료</a:t>
+            </a:r>
+            <a:endParaRPr lang="ko-KR" altLang="en-US"/>
+          </a:p>
+        </p:txBody>
+      </p:sp>
+      <p:sp>
+        <p:nvSpPr>
+          <p:cNvPr id="21" name=""/>
+          <p:cNvSpPr/>
+          <p:nvPr/>
+        </p:nvSpPr>
+        <p:spPr>
+          <a:xfrm>
+            <a:off x="2551535" y="1051631"/>
+            <a:ext cx="6206613" cy="3441290"/>
+          </a:xfrm>
+          <a:prstGeom prst="rect">
+            <a:avLst/>
+          </a:prstGeom>
+        </p:spPr>
+        <p:style>
+          <a:lnRef idx="2">
+            <a:schemeClr val="accent1">
+              <a:shade val="20000"/>
+            </a:schemeClr>
+          </a:lnRef>
+          <a:fillRef idx="1">
+            <a:schemeClr val="accent1"/>
+          </a:fillRef>
+          <a:effectRef idx="0">
+            <a:schemeClr val="accent1"/>
+          </a:effectRef>
+          <a:fontRef idx="minor">
+            <a:schemeClr val="lt1"/>
+          </a:fontRef>
+        </p:style>
+        <p:txBody>
+          <a:bodyPr anchor="ctr"/>
+          <a:p>
+            <a:pPr algn="ctr">
+              <a:defRPr/>
+            </a:pPr>
+            <a:endParaRPr lang="ko-KR" altLang="en-US"/>
+          </a:p>
+        </p:txBody>
+      </p:sp>
+      <p:sp>
+        <p:nvSpPr>
+          <p:cNvPr id="15" name=""/>
+          <p:cNvSpPr txBox="1"/>
+          <p:nvPr/>
+        </p:nvSpPr>
+        <p:spPr>
+          <a:xfrm>
+            <a:off x="2823163" y="1210414"/>
+            <a:ext cx="1936157" cy="363466"/>
+          </a:xfrm>
+          <a:prstGeom prst="rect">
+            <a:avLst/>
+          </a:prstGeom>
+        </p:spPr>
+        <p:txBody>
+          <a:bodyPr wrap="square">
+            <a:spAutoFit/>
+          </a:bodyPr>
+          <a:p>
+            <a:pPr>
+              <a:defRPr/>
+            </a:pPr>
+            <a:r>
+              <a:rPr lang="ko-KR" altLang="en-US"/>
+              <a:t>회원 이름</a:t>
+            </a:r>
+            <a:endParaRPr lang="ko-KR" altLang="en-US"/>
+          </a:p>
+        </p:txBody>
+      </p:sp>
+      <p:sp>
+        <p:nvSpPr>
+          <p:cNvPr id="22" name=""/>
+          <p:cNvSpPr txBox="1"/>
+          <p:nvPr/>
+        </p:nvSpPr>
+        <p:spPr>
+          <a:xfrm>
+            <a:off x="2551535" y="4903839"/>
+            <a:ext cx="1239707" cy="365883"/>
+          </a:xfrm>
+          <a:prstGeom prst="rect">
+            <a:avLst/>
+          </a:prstGeom>
+        </p:spPr>
+        <p:txBody>
+          <a:bodyPr wrap="square">
+            <a:spAutoFit/>
+          </a:bodyPr>
+          <a:p>
+            <a:pPr>
+              <a:defRPr/>
+            </a:pPr>
+            <a:r>
+              <a:rPr lang="ko-KR" altLang="en-US"/>
+              <a:t>취소</a:t>
+            </a:r>
+            <a:endParaRPr lang="ko-KR" altLang="en-US"/>
+          </a:p>
+        </p:txBody>
+      </p:sp>
+      <p:sp>
+        <p:nvSpPr>
+          <p:cNvPr id="23" name=""/>
+          <p:cNvSpPr txBox="1"/>
+          <p:nvPr/>
+        </p:nvSpPr>
+        <p:spPr>
+          <a:xfrm>
+            <a:off x="2823163" y="1896623"/>
+            <a:ext cx="1936157" cy="363466"/>
+          </a:xfrm>
+          <a:prstGeom prst="rect">
+            <a:avLst/>
+          </a:prstGeom>
+        </p:spPr>
+        <p:txBody>
+          <a:bodyPr wrap="square">
+            <a:spAutoFit/>
+          </a:bodyPr>
+          <a:p>
+            <a:pPr>
+              <a:defRPr/>
+            </a:pPr>
+            <a:r>
+              <a:rPr lang="en-US" altLang="ko-KR"/>
+              <a:t>20</a:t>
+            </a:r>
+            <a:r>
+              <a:rPr lang="ko-KR" altLang="en-US"/>
+              <a:t>개씩만 보이기</a:t>
+            </a:r>
+            <a:endParaRPr lang="ko-KR" altLang="en-US"/>
+          </a:p>
+        </p:txBody>
+      </p:sp>
+      <p:sp>
+        <p:nvSpPr>
+          <p:cNvPr id="24" name=""/>
+          <p:cNvSpPr txBox="1"/>
+          <p:nvPr/>
+        </p:nvSpPr>
+        <p:spPr>
+          <a:xfrm>
+            <a:off x="6465895" y="1210414"/>
+            <a:ext cx="1936157" cy="363466"/>
+          </a:xfrm>
+          <a:prstGeom prst="rect">
+            <a:avLst/>
+          </a:prstGeom>
+        </p:spPr>
+        <p:txBody>
+          <a:bodyPr wrap="square">
+            <a:spAutoFit/>
+          </a:bodyPr>
+          <a:p>
+            <a:pPr>
+              <a:defRPr/>
+            </a:pPr>
+            <a:r>
+              <a:rPr lang="ko-KR" altLang="en-US"/>
+              <a:t>탈퇴</a:t>
+            </a:r>
+            <a:r>
+              <a:rPr lang="en-US" altLang="ko-KR"/>
+              <a:t>/</a:t>
+            </a:r>
+            <a:r>
+              <a:rPr lang="ko-KR" altLang="en-US"/>
+              <a:t>휴면</a:t>
+            </a:r>
+            <a:r>
+              <a:rPr lang="en-US" altLang="ko-KR"/>
+              <a:t>/</a:t>
+            </a:r>
+            <a:r>
+              <a:rPr lang="ko-KR" altLang="en-US"/>
+              <a:t>해제</a:t>
+            </a:r>
+            <a:endParaRPr lang="ko-KR" altLang="en-US"/>
+          </a:p>
+        </p:txBody>
+      </p:sp>
+    </p:spTree>
+  </p:cSld>
+  <p:clrMapOvr>
+    <a:masterClrMapping/>
+  </p:clrMapOvr>
+  <mc:AlternateContent xmlns:mc="http://schemas.openxmlformats.org/markup-compatibility/2006">
+    <mc:Choice xmlns:p14="http://schemas.microsoft.com/office/powerpoint/2010/main" Requires="p14">
+      <p:transition xmlns:mc="http://schemas.openxmlformats.org/markup-compatibility/2006" xmlns:p14="http://schemas.microsoft.com/office/powerpoint/2010/main" mc:Ignorable="p14" p14:dur="500"/>
+    </mc:Choice>
+    <mc:Fallback>
+      <p:transition/>
+    </mc:Fallback>
+  </mc:AlternateContent>
+</p:sld>
+</file>
+
 <file path=ppt/slides/slide2.xml><?xml version="1.0" encoding="utf-8"?>
 <p:sld xmlns:r="http://schemas.openxmlformats.org/officeDocument/2006/relationships" xmlns:c="http://schemas.openxmlformats.org/drawingml/2006/chart" xmlns:a="http://schemas.openxmlformats.org/drawingml/2006/main" xmlns:dgm="http://schemas.openxmlformats.org/drawingml/2006/diagram" xmlns:dsp="http://schemas.microsoft.com/office/drawing/2008/diagram" xmlns:p="http://schemas.openxmlformats.org/presentationml/2006/main">
   <p:cSld>
@@ -6617,6 +7045,14 @@
             </a:pPr>
             <a:r>
               <a:rPr lang="ko-KR" altLang="en-US" sz="1200"/>
+              <a:t>공지사항</a:t>
+            </a:r>
+            <a:r>
+              <a:rPr lang="en-US" altLang="ko-KR" sz="1200"/>
+              <a:t>/</a:t>
+            </a:r>
+            <a:r>
+              <a:rPr lang="ko-KR" altLang="en-US" sz="1200"/>
               <a:t>게시글 확인</a:t>
             </a:r>
             <a:endParaRPr lang="ko-KR" altLang="en-US" sz="1200"/>
@@ -6631,8 +7067,8 @@
         </p:nvSpPr>
         <p:spPr>
           <a:xfrm>
-            <a:off x="2050381" y="264795"/>
-            <a:ext cx="7208921" cy="5349942"/>
+            <a:off x="2050381" y="638989"/>
+            <a:ext cx="7208921" cy="6327683"/>
           </a:xfrm>
           <a:prstGeom prst="rect">
             <a:avLst/>
@@ -6675,7 +7111,7 @@
         </p:nvSpPr>
         <p:spPr>
           <a:xfrm>
-            <a:off x="2316078" y="1169920"/>
+            <a:off x="2697079" y="2416342"/>
             <a:ext cx="932447" cy="363053"/>
           </a:xfrm>
           <a:prstGeom prst="rect">
@@ -6692,53 +7128,53 @@
             </a:pPr>
             <a:r>
               <a:rPr lang="ko-KR" altLang="en-US"/>
-              <a:t>닉네임</a:t>
-            </a:r>
-            <a:endParaRPr lang="ko-KR" altLang="en-US"/>
-          </a:p>
-        </p:txBody>
-      </p:sp>
-      <p:sp>
-        <p:nvSpPr>
-          <p:cNvPr id="10" name=""/>
-          <p:cNvSpPr txBox="1"/>
-          <p:nvPr/>
-        </p:nvSpPr>
-        <p:spPr>
-          <a:xfrm>
-            <a:off x="2391275" y="529022"/>
-            <a:ext cx="3148264" cy="366061"/>
-          </a:xfrm>
-          <a:prstGeom prst="rect">
-            <a:avLst/>
-          </a:prstGeom>
-        </p:spPr>
-        <p:txBody>
-          <a:bodyPr wrap="square">
-            <a:spAutoFit/>
-          </a:bodyPr>
-          <a:p>
-            <a:pPr>
-              <a:defRPr/>
-            </a:pPr>
-            <a:r>
-              <a:rPr lang="ko-KR" altLang="en-US"/>
-              <a:t>게시글 제목</a:t>
-            </a:r>
-            <a:endParaRPr lang="ko-KR" altLang="en-US"/>
-          </a:p>
-        </p:txBody>
-      </p:sp>
-      <p:sp>
-        <p:nvSpPr>
-          <p:cNvPr id="17" name=""/>
+              <a:t>아이디</a:t>
+            </a:r>
+            <a:endParaRPr lang="ko-KR" altLang="en-US"/>
+          </a:p>
+        </p:txBody>
+      </p:sp>
+      <p:sp>
+        <p:nvSpPr>
+          <p:cNvPr id="7" name=""/>
+          <p:cNvSpPr txBox="1"/>
+          <p:nvPr/>
+        </p:nvSpPr>
+        <p:spPr>
+          <a:xfrm>
+            <a:off x="2707105" y="3247473"/>
+            <a:ext cx="932447" cy="363053"/>
+          </a:xfrm>
+          <a:prstGeom prst="rect">
+            <a:avLst/>
+          </a:prstGeom>
+        </p:spPr>
+        <p:txBody>
+          <a:bodyPr wrap="square">
+            <a:spAutoFit/>
+          </a:bodyPr>
+          <a:p>
+            <a:pPr>
+              <a:defRPr/>
+            </a:pPr>
+            <a:r>
+              <a:rPr lang="ko-KR" altLang="en-US"/>
+              <a:t>비번</a:t>
+            </a:r>
+            <a:endParaRPr lang="ko-KR" altLang="en-US"/>
+          </a:p>
+        </p:txBody>
+      </p:sp>
+      <p:sp>
+        <p:nvSpPr>
+          <p:cNvPr id="8" name=""/>
           <p:cNvSpPr/>
           <p:nvPr/>
         </p:nvSpPr>
         <p:spPr>
           <a:xfrm>
-            <a:off x="2391275" y="1876139"/>
-            <a:ext cx="5153527" cy="1894758"/>
+            <a:off x="4297300" y="1663315"/>
+            <a:ext cx="3920290" cy="363053"/>
           </a:xfrm>
           <a:prstGeom prst="rect">
             <a:avLst/>
@@ -6772,63 +7208,409 @@
       </p:sp>
       <p:sp>
         <p:nvSpPr>
-          <p:cNvPr id="19" name=""/>
-          <p:cNvSpPr txBox="1"/>
-          <p:nvPr/>
-        </p:nvSpPr>
-        <p:spPr>
-          <a:xfrm>
-            <a:off x="3630172" y="1169920"/>
-            <a:ext cx="1684314" cy="369978"/>
-          </a:xfrm>
-          <a:prstGeom prst="rect">
-            <a:avLst/>
-          </a:prstGeom>
-        </p:spPr>
-        <p:txBody>
-          <a:bodyPr wrap="square">
-            <a:spAutoFit/>
-          </a:bodyPr>
-          <a:p>
-            <a:pPr>
-              <a:defRPr/>
-            </a:pPr>
-            <a:r>
-              <a:rPr lang="ko-KR" altLang="en-US"/>
-              <a:t>작성일</a:t>
-            </a:r>
-            <a:endParaRPr lang="ko-KR" altLang="en-US"/>
-          </a:p>
-        </p:txBody>
-      </p:sp>
-      <p:sp>
-        <p:nvSpPr>
-          <p:cNvPr id="22" name=""/>
-          <p:cNvSpPr txBox="1"/>
-          <p:nvPr/>
-        </p:nvSpPr>
-        <p:spPr>
-          <a:xfrm>
-            <a:off x="3855225" y="2453540"/>
-            <a:ext cx="1684314" cy="369978"/>
-          </a:xfrm>
-          <a:prstGeom prst="rect">
-            <a:avLst/>
-          </a:prstGeom>
-        </p:spPr>
-        <p:txBody>
-          <a:bodyPr wrap="square">
-            <a:spAutoFit/>
-          </a:bodyPr>
-          <a:p>
-            <a:pPr>
-              <a:defRPr/>
-            </a:pPr>
-            <a:r>
-              <a:rPr lang="ko-KR" altLang="en-US"/>
-              <a:t>내용</a:t>
-            </a:r>
-            <a:endParaRPr lang="ko-KR" altLang="en-US"/>
+          <p:cNvPr id="9" name=""/>
+          <p:cNvSpPr/>
+          <p:nvPr/>
+        </p:nvSpPr>
+        <p:spPr>
+          <a:xfrm>
+            <a:off x="4297300" y="1664308"/>
+            <a:ext cx="3920290" cy="3906762"/>
+          </a:xfrm>
+          <a:prstGeom prst="rect">
+            <a:avLst/>
+          </a:prstGeom>
+        </p:spPr>
+        <p:style>
+          <a:lnRef idx="2">
+            <a:schemeClr val="accent1">
+              <a:shade val="20000"/>
+            </a:schemeClr>
+          </a:lnRef>
+          <a:fillRef idx="1">
+            <a:schemeClr val="accent1"/>
+          </a:fillRef>
+          <a:effectRef idx="0">
+            <a:schemeClr val="accent1"/>
+          </a:effectRef>
+          <a:fontRef idx="minor">
+            <a:schemeClr val="lt1"/>
+          </a:fontRef>
+        </p:style>
+        <p:txBody>
+          <a:bodyPr anchor="ctr"/>
+          <a:p>
+            <a:pPr algn="ctr">
+              <a:defRPr/>
+            </a:pPr>
+            <a:endParaRPr lang="ko-KR" altLang="en-US"/>
+          </a:p>
+        </p:txBody>
+      </p:sp>
+      <p:sp>
+        <p:nvSpPr>
+          <p:cNvPr id="10" name=""/>
+          <p:cNvSpPr txBox="1"/>
+          <p:nvPr/>
+        </p:nvSpPr>
+        <p:spPr>
+          <a:xfrm>
+            <a:off x="4937960" y="988585"/>
+            <a:ext cx="3148264" cy="366061"/>
+          </a:xfrm>
+          <a:prstGeom prst="rect">
+            <a:avLst/>
+          </a:prstGeom>
+        </p:spPr>
+        <p:txBody>
+          <a:bodyPr wrap="square">
+            <a:spAutoFit/>
+          </a:bodyPr>
+          <a:p>
+            <a:pPr>
+              <a:defRPr/>
+            </a:pPr>
+            <a:r>
+              <a:rPr lang="ko-KR" altLang="en-US"/>
+              <a:t>게시글 제목</a:t>
+            </a:r>
+            <a:endParaRPr lang="ko-KR" altLang="en-US"/>
+          </a:p>
+        </p:txBody>
+      </p:sp>
+      <p:sp>
+        <p:nvSpPr>
+          <p:cNvPr id="12" name=""/>
+          <p:cNvSpPr txBox="1"/>
+          <p:nvPr/>
+        </p:nvSpPr>
+        <p:spPr>
+          <a:xfrm>
+            <a:off x="4381500" y="5942006"/>
+            <a:ext cx="1714500" cy="367038"/>
+          </a:xfrm>
+          <a:prstGeom prst="rect">
+            <a:avLst/>
+          </a:prstGeom>
+        </p:spPr>
+        <p:txBody>
+          <a:bodyPr wrap="square">
+            <a:spAutoFit/>
+          </a:bodyPr>
+          <a:p>
+            <a:pPr>
+              <a:defRPr/>
+            </a:pPr>
+            <a:r>
+              <a:rPr lang="ko-KR" altLang="en-US"/>
+              <a:t>뒤로가기</a:t>
+            </a:r>
+            <a:endParaRPr lang="ko-KR" altLang="en-US"/>
+          </a:p>
+        </p:txBody>
+      </p:sp>
+      <p:sp>
+        <p:nvSpPr>
+          <p:cNvPr id="13" name=""/>
+          <p:cNvSpPr/>
+          <p:nvPr/>
+        </p:nvSpPr>
+        <p:spPr>
+          <a:xfrm>
+            <a:off x="2050381" y="638989"/>
+            <a:ext cx="1940091" cy="6327683"/>
+          </a:xfrm>
+          <a:prstGeom prst="rect">
+            <a:avLst/>
+          </a:prstGeom>
+        </p:spPr>
+        <p:style>
+          <a:lnRef idx="2">
+            <a:schemeClr val="accent1">
+              <a:shade val="20000"/>
+            </a:schemeClr>
+          </a:lnRef>
+          <a:fillRef idx="1">
+            <a:schemeClr val="accent1"/>
+          </a:fillRef>
+          <a:effectRef idx="0">
+            <a:schemeClr val="accent1"/>
+          </a:effectRef>
+          <a:fontRef idx="minor">
+            <a:schemeClr val="lt1"/>
+          </a:fontRef>
+        </p:style>
+        <p:txBody>
+          <a:bodyPr anchor="ctr"/>
+          <a:p>
+            <a:pPr algn="ctr">
+              <a:defRPr/>
+            </a:pPr>
+            <a:endParaRPr lang="ko-KR" altLang="en-US"/>
+          </a:p>
+        </p:txBody>
+      </p:sp>
+      <p:sp>
+        <p:nvSpPr>
+          <p:cNvPr id="14" name=""/>
+          <p:cNvSpPr txBox="1"/>
+          <p:nvPr/>
+        </p:nvSpPr>
+        <p:spPr>
+          <a:xfrm>
+            <a:off x="2260396" y="988585"/>
+            <a:ext cx="1504485" cy="362060"/>
+          </a:xfrm>
+          <a:prstGeom prst="rect">
+            <a:avLst/>
+          </a:prstGeom>
+        </p:spPr>
+        <p:txBody>
+          <a:bodyPr wrap="square">
+            <a:spAutoFit/>
+          </a:bodyPr>
+          <a:p>
+            <a:pPr>
+              <a:defRPr/>
+            </a:pPr>
+            <a:r>
+              <a:rPr lang="ko-KR" altLang="en-US"/>
+              <a:t>정보수정</a:t>
+            </a:r>
+            <a:endParaRPr lang="ko-KR" altLang="en-US"/>
+          </a:p>
+        </p:txBody>
+      </p:sp>
+      <p:cxnSp>
+        <p:nvCxnSpPr>
+          <p:cNvPr id="15" name=""/>
+          <p:cNvCxnSpPr/>
+          <p:nvPr/>
+        </p:nvCxnSpPr>
+        <p:spPr>
+          <a:xfrm>
+            <a:off x="2050381" y="1605935"/>
+            <a:ext cx="1940091" cy="0"/>
+          </a:xfrm>
+          <a:prstGeom prst="line">
+            <a:avLst/>
+          </a:prstGeom>
+          <a:ln>
+            <a:solidFill>
+              <a:schemeClr val="dk1"/>
+            </a:solidFill>
+          </a:ln>
+        </p:spPr>
+        <p:style>
+          <a:lnRef idx="1">
+            <a:schemeClr val="accent1"/>
+          </a:lnRef>
+          <a:fillRef idx="0">
+            <a:schemeClr val="accent1"/>
+          </a:fillRef>
+          <a:effectRef idx="0">
+            <a:schemeClr val="accent1"/>
+          </a:effectRef>
+          <a:fontRef idx="minor">
+            <a:schemeClr val="tx1"/>
+          </a:fontRef>
+        </p:style>
+      </p:cxnSp>
+      <p:sp>
+        <p:nvSpPr>
+          <p:cNvPr id="16" name=""/>
+          <p:cNvSpPr txBox="1"/>
+          <p:nvPr/>
+        </p:nvSpPr>
+        <p:spPr>
+          <a:xfrm>
+            <a:off x="2155388" y="1920601"/>
+            <a:ext cx="1504485" cy="363494"/>
+          </a:xfrm>
+          <a:prstGeom prst="rect">
+            <a:avLst/>
+          </a:prstGeom>
+        </p:spPr>
+        <p:txBody>
+          <a:bodyPr wrap="square">
+            <a:spAutoFit/>
+          </a:bodyPr>
+          <a:p>
+            <a:pPr>
+              <a:defRPr/>
+            </a:pPr>
+            <a:r>
+              <a:rPr lang="ko-KR" altLang="en-US"/>
+              <a:t>공지사항</a:t>
+            </a:r>
+            <a:endParaRPr lang="ko-KR" altLang="en-US"/>
+          </a:p>
+        </p:txBody>
+      </p:sp>
+      <p:sp>
+        <p:nvSpPr>
+          <p:cNvPr id="17" name=""/>
+          <p:cNvSpPr txBox="1"/>
+          <p:nvPr/>
+        </p:nvSpPr>
+        <p:spPr>
+          <a:xfrm>
+            <a:off x="2135067" y="2417335"/>
+            <a:ext cx="1504485" cy="362060"/>
+          </a:xfrm>
+          <a:prstGeom prst="rect">
+            <a:avLst/>
+          </a:prstGeom>
+        </p:spPr>
+        <p:txBody>
+          <a:bodyPr wrap="square">
+            <a:spAutoFit/>
+          </a:bodyPr>
+          <a:p>
+            <a:pPr>
+              <a:defRPr/>
+            </a:pPr>
+            <a:r>
+              <a:rPr lang="ko-KR" altLang="en-US"/>
+              <a:t>일반게시판</a:t>
+            </a:r>
+            <a:endParaRPr lang="ko-KR" altLang="en-US"/>
+          </a:p>
+        </p:txBody>
+      </p:sp>
+      <p:sp>
+        <p:nvSpPr>
+          <p:cNvPr id="18" name=""/>
+          <p:cNvSpPr txBox="1"/>
+          <p:nvPr/>
+        </p:nvSpPr>
+        <p:spPr>
+          <a:xfrm>
+            <a:off x="2125041" y="2885413"/>
+            <a:ext cx="1504485" cy="362060"/>
+          </a:xfrm>
+          <a:prstGeom prst="rect">
+            <a:avLst/>
+          </a:prstGeom>
+        </p:spPr>
+        <p:txBody>
+          <a:bodyPr wrap="square">
+            <a:spAutoFit/>
+          </a:bodyPr>
+          <a:p>
+            <a:pPr>
+              <a:defRPr/>
+            </a:pPr>
+            <a:r>
+              <a:rPr lang="en-US" altLang="ko-KR"/>
+              <a:t>Q&amp;A</a:t>
+            </a:r>
+            <a:endParaRPr lang="en-US" altLang="ko-KR"/>
+          </a:p>
+        </p:txBody>
+      </p:sp>
+      <p:sp>
+        <p:nvSpPr>
+          <p:cNvPr id="20" name=""/>
+          <p:cNvSpPr txBox="1"/>
+          <p:nvPr/>
+        </p:nvSpPr>
+        <p:spPr>
+          <a:xfrm>
+            <a:off x="4372929" y="1954419"/>
+            <a:ext cx="1884516" cy="358251"/>
+          </a:xfrm>
+          <a:prstGeom prst="rect">
+            <a:avLst/>
+          </a:prstGeom>
+        </p:spPr>
+        <p:txBody>
+          <a:bodyPr wrap="square">
+            <a:spAutoFit/>
+          </a:bodyPr>
+          <a:p>
+            <a:pPr>
+              <a:defRPr/>
+            </a:pPr>
+            <a:r>
+              <a:rPr lang="ko-KR" altLang="en-US"/>
+              <a:t>생성일	작성자</a:t>
+            </a:r>
+            <a:endParaRPr lang="ko-KR" altLang="en-US"/>
+          </a:p>
+        </p:txBody>
+      </p:sp>
+      <p:sp>
+        <p:nvSpPr>
+          <p:cNvPr id="21" name=""/>
+          <p:cNvSpPr txBox="1"/>
+          <p:nvPr/>
+        </p:nvSpPr>
+        <p:spPr>
+          <a:xfrm>
+            <a:off x="5153742" y="3617690"/>
+            <a:ext cx="1884516" cy="361855"/>
+          </a:xfrm>
+          <a:prstGeom prst="rect">
+            <a:avLst/>
+          </a:prstGeom>
+        </p:spPr>
+        <p:txBody>
+          <a:bodyPr wrap="square">
+            <a:spAutoFit/>
+          </a:bodyPr>
+          <a:p>
+            <a:pPr>
+              <a:defRPr/>
+            </a:pPr>
+            <a:r>
+              <a:rPr lang="ko-KR" altLang="en-US"/>
+              <a:t>내용 보이기</a:t>
+            </a:r>
+            <a:endParaRPr lang="ko-KR" altLang="en-US"/>
+          </a:p>
+        </p:txBody>
+      </p:sp>
+      <p:sp>
+        <p:nvSpPr>
+          <p:cNvPr id="24" name=""/>
+          <p:cNvSpPr txBox="1"/>
+          <p:nvPr/>
+        </p:nvSpPr>
+        <p:spPr>
+          <a:xfrm>
+            <a:off x="7347026" y="5942006"/>
+            <a:ext cx="870564" cy="642301"/>
+          </a:xfrm>
+          <a:prstGeom prst="rect">
+            <a:avLst/>
+          </a:prstGeom>
+        </p:spPr>
+        <p:txBody>
+          <a:bodyPr wrap="square">
+            <a:spAutoFit/>
+          </a:bodyPr>
+          <a:p>
+            <a:pPr>
+              <a:defRPr/>
+            </a:pPr>
+            <a:r>
+              <a:rPr lang="ko-KR" altLang="en-US"/>
+              <a:t>수정</a:t>
+            </a:r>
+            <a:r>
+              <a:rPr lang="en-US" altLang="ko-KR"/>
+              <a:t>(</a:t>
+            </a:r>
+            <a:r>
+              <a:rPr lang="ko-KR" altLang="en-US"/>
+              <a:t>일반</a:t>
+            </a:r>
+            <a:r>
+              <a:rPr lang="en-US" altLang="ko-KR"/>
+              <a:t>)</a:t>
+            </a:r>
+            <a:endParaRPr lang="en-US" altLang="ko-KR"/>
           </a:p>
         </p:txBody>
       </p:sp>
@@ -6867,18 +7649,52 @@
       </p:grpSpPr>
       <p:sp>
         <p:nvSpPr>
-          <p:cNvPr id="17" name=""/>
+          <p:cNvPr id="4" name=""/>
+          <p:cNvSpPr txBox="1"/>
+          <p:nvPr/>
+        </p:nvSpPr>
+        <p:spPr>
+          <a:xfrm>
+            <a:off x="155407" y="0"/>
+            <a:ext cx="2235868" cy="264795"/>
+          </a:xfrm>
+          <a:prstGeom prst="rect">
+            <a:avLst/>
+          </a:prstGeom>
+        </p:spPr>
+        <p:txBody>
+          <a:bodyPr wrap="square">
+            <a:spAutoFit/>
+          </a:bodyPr>
+          <a:p>
+            <a:pPr>
+              <a:defRPr/>
+            </a:pPr>
+            <a:r>
+              <a:rPr lang="ko-KR" altLang="en-US" sz="1200"/>
+              <a:t>게시글 확인</a:t>
+            </a:r>
+            <a:endParaRPr lang="ko-KR" altLang="en-US" sz="1200"/>
+          </a:p>
+        </p:txBody>
+      </p:sp>
+      <p:sp>
+        <p:nvSpPr>
+          <p:cNvPr id="5" name=""/>
           <p:cNvSpPr/>
           <p:nvPr/>
         </p:nvSpPr>
         <p:spPr>
           <a:xfrm>
-            <a:off x="2391275" y="1210414"/>
-            <a:ext cx="6531553" cy="3404907"/>
-          </a:xfrm>
-          <a:prstGeom prst="rect">
-            <a:avLst/>
-          </a:prstGeom>
+            <a:off x="2050381" y="264795"/>
+            <a:ext cx="7208921" cy="5349942"/>
+          </a:xfrm>
+          <a:prstGeom prst="rect">
+            <a:avLst/>
+          </a:prstGeom>
+          <a:solidFill>
+            <a:schemeClr val="lt1"/>
+          </a:solidFill>
         </p:spPr>
         <p:style>
           <a:lnRef idx="2">
@@ -6908,56 +7724,80 @@
       </p:sp>
       <p:sp>
         <p:nvSpPr>
-          <p:cNvPr id="4" name=""/>
-          <p:cNvSpPr txBox="1"/>
-          <p:nvPr/>
-        </p:nvSpPr>
-        <p:spPr>
-          <a:xfrm>
-            <a:off x="155407" y="0"/>
-            <a:ext cx="2235868" cy="264795"/>
-          </a:xfrm>
-          <a:prstGeom prst="rect">
-            <a:avLst/>
-          </a:prstGeom>
-        </p:spPr>
-        <p:txBody>
-          <a:bodyPr wrap="square">
-            <a:spAutoFit/>
-          </a:bodyPr>
-          <a:p>
-            <a:pPr>
-              <a:defRPr/>
-            </a:pPr>
-            <a:r>
-              <a:rPr lang="ko-KR" altLang="en-US" sz="1200"/>
-              <a:t>게시판 생성</a:t>
-            </a:r>
-            <a:r>
-              <a:rPr lang="en-US" altLang="ko-KR" sz="1200"/>
-              <a:t>/Q&amp;A</a:t>
-            </a:r>
-            <a:endParaRPr lang="en-US" altLang="ko-KR" sz="1200"/>
-          </a:p>
-        </p:txBody>
-      </p:sp>
-      <p:sp>
-        <p:nvSpPr>
-          <p:cNvPr id="5" name=""/>
+          <p:cNvPr id="6" name=""/>
+          <p:cNvSpPr txBox="1"/>
+          <p:nvPr/>
+        </p:nvSpPr>
+        <p:spPr>
+          <a:xfrm>
+            <a:off x="2316078" y="1169920"/>
+            <a:ext cx="932447" cy="363053"/>
+          </a:xfrm>
+          <a:prstGeom prst="rect">
+            <a:avLst/>
+          </a:prstGeom>
+        </p:spPr>
+        <p:txBody>
+          <a:bodyPr wrap="square">
+            <a:spAutoFit/>
+          </a:bodyPr>
+          <a:p>
+            <a:pPr>
+              <a:defRPr/>
+            </a:pPr>
+            <a:r>
+              <a:rPr lang="ko-KR" altLang="en-US"/>
+              <a:t>닉네임</a:t>
+            </a:r>
+            <a:endParaRPr lang="ko-KR" altLang="en-US"/>
+          </a:p>
+        </p:txBody>
+      </p:sp>
+      <p:sp>
+        <p:nvSpPr>
+          <p:cNvPr id="10" name=""/>
+          <p:cNvSpPr txBox="1"/>
+          <p:nvPr/>
+        </p:nvSpPr>
+        <p:spPr>
+          <a:xfrm>
+            <a:off x="2391275" y="529022"/>
+            <a:ext cx="3148264" cy="366061"/>
+          </a:xfrm>
+          <a:prstGeom prst="rect">
+            <a:avLst/>
+          </a:prstGeom>
+        </p:spPr>
+        <p:txBody>
+          <a:bodyPr wrap="square">
+            <a:spAutoFit/>
+          </a:bodyPr>
+          <a:p>
+            <a:pPr>
+              <a:defRPr/>
+            </a:pPr>
+            <a:r>
+              <a:rPr lang="ko-KR" altLang="en-US"/>
+              <a:t>게시글 제목</a:t>
+            </a:r>
+            <a:endParaRPr lang="ko-KR" altLang="en-US"/>
+          </a:p>
+        </p:txBody>
+      </p:sp>
+      <p:sp>
+        <p:nvSpPr>
+          <p:cNvPr id="17" name=""/>
           <p:cNvSpPr/>
           <p:nvPr/>
         </p:nvSpPr>
         <p:spPr>
           <a:xfrm>
-            <a:off x="2050381" y="264795"/>
-            <a:ext cx="7208921" cy="5349942"/>
-          </a:xfrm>
-          <a:prstGeom prst="rect">
-            <a:avLst/>
-          </a:prstGeom>
-          <a:solidFill>
-            <a:schemeClr val="lt1"/>
-          </a:solidFill>
+            <a:off x="2391275" y="1876139"/>
+            <a:ext cx="5153527" cy="1894758"/>
+          </a:xfrm>
+          <a:prstGeom prst="rect">
+            <a:avLst/>
+          </a:prstGeom>
         </p:spPr>
         <p:style>
           <a:lnRef idx="2">
@@ -6987,152 +7827,45 @@
       </p:sp>
       <p:sp>
         <p:nvSpPr>
-          <p:cNvPr id="10" name=""/>
-          <p:cNvSpPr txBox="1"/>
-          <p:nvPr/>
-        </p:nvSpPr>
-        <p:spPr>
-          <a:xfrm>
-            <a:off x="2391275" y="569990"/>
-            <a:ext cx="6248067" cy="366061"/>
-          </a:xfrm>
-          <a:prstGeom prst="rect">
-            <a:avLst/>
-          </a:prstGeom>
-        </p:spPr>
-        <p:txBody>
-          <a:bodyPr wrap="square">
-            <a:spAutoFit/>
-          </a:bodyPr>
-          <a:p>
-            <a:pPr algn="ctr">
-              <a:defRPr/>
-            </a:pPr>
-            <a:r>
-              <a:rPr lang="ko-KR" altLang="en-US"/>
-              <a:t>채팅방 제목</a:t>
-            </a:r>
-            <a:r>
-              <a:rPr lang="en-US" altLang="ko-KR"/>
-              <a:t>/Q&amp;A</a:t>
-            </a:r>
-            <a:endParaRPr lang="en-US" altLang="ko-KR"/>
-          </a:p>
-        </p:txBody>
-      </p:sp>
-      <p:sp>
-        <p:nvSpPr>
-          <p:cNvPr id="12" name=""/>
-          <p:cNvSpPr txBox="1"/>
-          <p:nvPr/>
-        </p:nvSpPr>
-        <p:spPr>
-          <a:xfrm>
-            <a:off x="7544802" y="3770897"/>
-            <a:ext cx="1714500" cy="363556"/>
-          </a:xfrm>
-          <a:prstGeom prst="rect">
-            <a:avLst/>
-          </a:prstGeom>
-        </p:spPr>
-        <p:txBody>
-          <a:bodyPr wrap="square">
-            <a:spAutoFit/>
-          </a:bodyPr>
-          <a:p>
-            <a:pPr>
-              <a:defRPr/>
-            </a:pPr>
-            <a:r>
-              <a:rPr lang="ko-KR" altLang="en-US"/>
-              <a:t>전송</a:t>
-            </a:r>
-            <a:endParaRPr lang="ko-KR" altLang="en-US"/>
-          </a:p>
-        </p:txBody>
-      </p:sp>
-      <p:sp>
-        <p:nvSpPr>
-          <p:cNvPr id="20" name=""/>
-          <p:cNvSpPr txBox="1"/>
-          <p:nvPr/>
-        </p:nvSpPr>
-        <p:spPr>
-          <a:xfrm>
-            <a:off x="2551535" y="4842387"/>
-            <a:ext cx="1239707" cy="365883"/>
-          </a:xfrm>
-          <a:prstGeom prst="rect">
-            <a:avLst/>
-          </a:prstGeom>
-        </p:spPr>
-        <p:txBody>
-          <a:bodyPr wrap="square">
-            <a:spAutoFit/>
-          </a:bodyPr>
-          <a:p>
-            <a:pPr>
-              <a:defRPr/>
-            </a:pPr>
-            <a:r>
-              <a:rPr lang="ko-KR" altLang="en-US"/>
-              <a:t>작성완료</a:t>
-            </a:r>
-            <a:endParaRPr lang="ko-KR" altLang="en-US"/>
-          </a:p>
-        </p:txBody>
-      </p:sp>
-      <p:sp>
-        <p:nvSpPr>
-          <p:cNvPr id="21" name=""/>
-          <p:cNvSpPr/>
-          <p:nvPr/>
-        </p:nvSpPr>
-        <p:spPr>
-          <a:xfrm>
-            <a:off x="2551535" y="1051631"/>
-            <a:ext cx="6206613" cy="3441290"/>
-          </a:xfrm>
-          <a:prstGeom prst="rect">
-            <a:avLst/>
-          </a:prstGeom>
-        </p:spPr>
-        <p:style>
-          <a:lnRef idx="2">
-            <a:schemeClr val="accent1">
-              <a:shade val="20000"/>
-            </a:schemeClr>
-          </a:lnRef>
-          <a:fillRef idx="1">
-            <a:schemeClr val="accent1"/>
-          </a:fillRef>
-          <a:effectRef idx="0">
-            <a:schemeClr val="accent1"/>
-          </a:effectRef>
-          <a:fontRef idx="minor">
-            <a:schemeClr val="lt1"/>
-          </a:fontRef>
-        </p:style>
-        <p:txBody>
-          <a:bodyPr anchor="ctr"/>
-          <a:p>
-            <a:pPr algn="ctr">
-              <a:defRPr/>
-            </a:pPr>
-            <a:endParaRPr lang="ko-KR" altLang="en-US"/>
-          </a:p>
-        </p:txBody>
-      </p:sp>
-      <p:sp>
-        <p:nvSpPr>
-          <p:cNvPr id="15" name=""/>
-          <p:cNvSpPr txBox="1"/>
-          <p:nvPr/>
-        </p:nvSpPr>
-        <p:spPr>
-          <a:xfrm>
-            <a:off x="5163553" y="2073029"/>
-            <a:ext cx="932447" cy="363916"/>
+          <p:cNvPr id="19" name=""/>
+          <p:cNvSpPr txBox="1"/>
+          <p:nvPr/>
+        </p:nvSpPr>
+        <p:spPr>
+          <a:xfrm>
+            <a:off x="3630172" y="1169920"/>
+            <a:ext cx="1684314" cy="369978"/>
+          </a:xfrm>
+          <a:prstGeom prst="rect">
+            <a:avLst/>
+          </a:prstGeom>
+        </p:spPr>
+        <p:txBody>
+          <a:bodyPr wrap="square">
+            <a:spAutoFit/>
+          </a:bodyPr>
+          <a:p>
+            <a:pPr>
+              <a:defRPr/>
+            </a:pPr>
+            <a:r>
+              <a:rPr lang="ko-KR" altLang="en-US"/>
+              <a:t>작성일</a:t>
+            </a:r>
+            <a:endParaRPr lang="ko-KR" altLang="en-US"/>
+          </a:p>
+        </p:txBody>
+      </p:sp>
+      <p:sp>
+        <p:nvSpPr>
+          <p:cNvPr id="22" name=""/>
+          <p:cNvSpPr txBox="1"/>
+          <p:nvPr/>
+        </p:nvSpPr>
+        <p:spPr>
+          <a:xfrm>
+            <a:off x="3855225" y="2453540"/>
+            <a:ext cx="1684314" cy="369978"/>
           </a:xfrm>
           <a:prstGeom prst="rect">
             <a:avLst/>
@@ -7149,37 +7882,6 @@
             <a:r>
               <a:rPr lang="ko-KR" altLang="en-US"/>
               <a:t>내용</a:t>
-            </a:r>
-            <a:endParaRPr lang="ko-KR" altLang="en-US"/>
-          </a:p>
-        </p:txBody>
-      </p:sp>
-      <p:sp>
-        <p:nvSpPr>
-          <p:cNvPr id="22" name=""/>
-          <p:cNvSpPr txBox="1"/>
-          <p:nvPr/>
-        </p:nvSpPr>
-        <p:spPr>
-          <a:xfrm>
-            <a:off x="7399635" y="4842387"/>
-            <a:ext cx="1239707" cy="365883"/>
-          </a:xfrm>
-          <a:prstGeom prst="rect">
-            <a:avLst/>
-          </a:prstGeom>
-        </p:spPr>
-        <p:txBody>
-          <a:bodyPr wrap="square">
-            <a:spAutoFit/>
-          </a:bodyPr>
-          <a:p>
-            <a:pPr>
-              <a:defRPr/>
-            </a:pPr>
-            <a:r>
-              <a:rPr lang="ko-KR" altLang="en-US"/>
-              <a:t>취소</a:t>
             </a:r>
             <a:endParaRPr lang="ko-KR" altLang="en-US"/>
           </a:p>
@@ -7284,9 +7986,13 @@
             </a:pPr>
             <a:r>
               <a:rPr lang="ko-KR" altLang="en-US" sz="1200"/>
-              <a:t>어드민 페이지</a:t>
-            </a:r>
-            <a:endParaRPr lang="ko-KR" altLang="en-US" sz="1200"/>
+              <a:t>게시판 생성</a:t>
+            </a:r>
+            <a:r>
+              <a:rPr lang="en-US" altLang="ko-KR" sz="1200"/>
+              <a:t>/Q&amp;A</a:t>
+            </a:r>
+            <a:endParaRPr lang="en-US" altLang="ko-KR" sz="1200"/>
           </a:p>
         </p:txBody>
       </p:sp>
@@ -7359,9 +8065,13 @@
             </a:pPr>
             <a:r>
               <a:rPr lang="ko-KR" altLang="en-US"/>
-              <a:t>회원목록</a:t>
-            </a:r>
-            <a:endParaRPr lang="ko-KR" altLang="en-US"/>
+              <a:t>채팅방 제목</a:t>
+            </a:r>
+            <a:r>
+              <a:rPr lang="en-US" altLang="ko-KR"/>
+              <a:t>/Q&amp;A</a:t>
+            </a:r>
+            <a:endParaRPr lang="en-US" altLang="ko-KR"/>
           </a:p>
         </p:txBody>
       </p:sp>
@@ -7404,7 +8114,7 @@
         </p:nvSpPr>
         <p:spPr>
           <a:xfrm>
-            <a:off x="7544802" y="4842387"/>
+            <a:off x="2551535" y="4842387"/>
             <a:ext cx="1239707" cy="365883"/>
           </a:xfrm>
           <a:prstGeom prst="rect">
@@ -7476,24 +8186,24 @@
         </p:nvSpPr>
         <p:spPr>
           <a:xfrm>
-            <a:off x="2823163" y="1210414"/>
-            <a:ext cx="1936157" cy="363466"/>
-          </a:xfrm>
-          <a:prstGeom prst="rect">
-            <a:avLst/>
-          </a:prstGeom>
-        </p:spPr>
-        <p:txBody>
-          <a:bodyPr wrap="square">
-            <a:spAutoFit/>
-          </a:bodyPr>
-          <a:p>
-            <a:pPr>
-              <a:defRPr/>
-            </a:pPr>
-            <a:r>
-              <a:rPr lang="ko-KR" altLang="en-US"/>
-              <a:t>회원 이름</a:t>
+            <a:off x="5163553" y="2073029"/>
+            <a:ext cx="932447" cy="363916"/>
+          </a:xfrm>
+          <a:prstGeom prst="rect">
+            <a:avLst/>
+          </a:prstGeom>
+        </p:spPr>
+        <p:txBody>
+          <a:bodyPr wrap="square">
+            <a:spAutoFit/>
+          </a:bodyPr>
+          <a:p>
+            <a:pPr>
+              <a:defRPr/>
+            </a:pPr>
+            <a:r>
+              <a:rPr lang="ko-KR" altLang="en-US"/>
+              <a:t>내용</a:t>
             </a:r>
             <a:endParaRPr lang="ko-KR" altLang="en-US"/>
           </a:p>
@@ -7507,7 +8217,7 @@
         </p:nvSpPr>
         <p:spPr>
           <a:xfrm>
-            <a:off x="2551535" y="4903839"/>
+            <a:off x="7399635" y="4842387"/>
             <a:ext cx="1239707" cy="365883"/>
           </a:xfrm>
           <a:prstGeom prst="rect">
@@ -7525,88 +8235,6 @@
             <a:r>
               <a:rPr lang="ko-KR" altLang="en-US"/>
               <a:t>취소</a:t>
-            </a:r>
-            <a:endParaRPr lang="ko-KR" altLang="en-US"/>
-          </a:p>
-        </p:txBody>
-      </p:sp>
-      <p:sp>
-        <p:nvSpPr>
-          <p:cNvPr id="23" name=""/>
-          <p:cNvSpPr txBox="1"/>
-          <p:nvPr/>
-        </p:nvSpPr>
-        <p:spPr>
-          <a:xfrm>
-            <a:off x="2823163" y="1896623"/>
-            <a:ext cx="1936157" cy="363466"/>
-          </a:xfrm>
-          <a:prstGeom prst="rect">
-            <a:avLst/>
-          </a:prstGeom>
-        </p:spPr>
-        <p:txBody>
-          <a:bodyPr wrap="square">
-            <a:spAutoFit/>
-          </a:bodyPr>
-          <a:p>
-            <a:pPr>
-              <a:defRPr/>
-            </a:pPr>
-            <a:r>
-              <a:rPr lang="en-US" altLang="ko-KR"/>
-              <a:t>20</a:t>
-            </a:r>
-            <a:r>
-              <a:rPr lang="ko-KR" altLang="en-US"/>
-              <a:t>개씩만 보이기</a:t>
-            </a:r>
-            <a:endParaRPr lang="ko-KR" altLang="en-US"/>
-          </a:p>
-        </p:txBody>
-      </p:sp>
-      <p:sp>
-        <p:nvSpPr>
-          <p:cNvPr id="24" name=""/>
-          <p:cNvSpPr txBox="1"/>
-          <p:nvPr/>
-        </p:nvSpPr>
-        <p:spPr>
-          <a:xfrm>
-            <a:off x="6465895" y="1210414"/>
-            <a:ext cx="1936157" cy="363466"/>
-          </a:xfrm>
-          <a:prstGeom prst="rect">
-            <a:avLst/>
-          </a:prstGeom>
-        </p:spPr>
-        <p:txBody>
-          <a:bodyPr wrap="square">
-            <a:spAutoFit/>
-          </a:bodyPr>
-          <a:p>
-            <a:pPr>
-              <a:defRPr/>
-            </a:pPr>
-            <a:r>
-              <a:rPr lang="ko-KR" altLang="en-US"/>
-              <a:t>탈퇴</a:t>
-            </a:r>
-            <a:r>
-              <a:rPr lang="en-US" altLang="ko-KR"/>
-              <a:t>/</a:t>
-            </a:r>
-            <a:r>
-              <a:rPr lang="ko-KR" altLang="en-US"/>
-              <a:t>휴면</a:t>
-            </a:r>
-            <a:r>
-              <a:rPr lang="en-US" altLang="ko-KR"/>
-              <a:t>/</a:t>
-            </a:r>
-            <a:r>
-              <a:rPr lang="ko-KR" altLang="en-US"/>
-              <a:t>해제</a:t>
             </a:r>
             <a:endParaRPr lang="ko-KR" altLang="en-US"/>
           </a:p>
